--- a/Milestone 4/ENSE 470 Milestone 4.pptx
+++ b/Milestone 4/ENSE 470 Milestone 4.pptx
@@ -7,11 +7,12 @@
   <p:sldIdLst>
     <p:sldId id="256" r:id="rId2"/>
     <p:sldId id="257" r:id="rId3"/>
-    <p:sldId id="258" r:id="rId4"/>
-    <p:sldId id="259" r:id="rId5"/>
-    <p:sldId id="260" r:id="rId6"/>
-    <p:sldId id="261" r:id="rId7"/>
-    <p:sldId id="262" r:id="rId8"/>
+    <p:sldId id="263" r:id="rId4"/>
+    <p:sldId id="258" r:id="rId5"/>
+    <p:sldId id="259" r:id="rId6"/>
+    <p:sldId id="260" r:id="rId7"/>
+    <p:sldId id="261" r:id="rId8"/>
+    <p:sldId id="262" r:id="rId9"/>
   </p:sldIdLst>
   <p:sldSz cx="12192000" cy="6858000"/>
   <p:notesSz cx="6858000" cy="9144000"/>
@@ -110,6 +111,11 @@
       </a:defRPr>
     </a:lvl9pPr>
   </p:defaultTextStyle>
+  <p:extLst>
+    <p:ext uri="{EFAFB233-063F-42B5-8137-9DF3F51BA10A}">
+      <p15:sldGuideLst xmlns:p15="http://schemas.microsoft.com/office/powerpoint/2012/main"/>
+    </p:ext>
+  </p:extLst>
 </p:presentation>
 </file>
 
@@ -163,7 +169,7 @@
           <a:noFill/>
           <a:extLst>
             <a:ext uri="{909E8E84-426E-40dd-AFC4-6F175D3DCCD1}">
-              <a14:hiddenFill xmlns:a14="http://schemas.microsoft.com/office/drawing/2010/main" xmlns="">
+              <a14:hiddenFill xmlns="" xmlns:a14="http://schemas.microsoft.com/office/drawing/2010/main">
                 <a:solidFill>
                   <a:srgbClr val="FFFFFF"/>
                 </a:solidFill>
@@ -223,7 +229,7 @@
             </a:ln>
             <a:extLst>
               <a:ext uri="{91240B29-F687-4f45-9708-019B960494DF}">
-                <a14:hiddenLine xmlns:a14="http://schemas.microsoft.com/office/drawing/2010/main" xmlns="" w="9525">
+                <a14:hiddenLine xmlns="" xmlns:a14="http://schemas.microsoft.com/office/drawing/2010/main" w="9525">
                   <a:solidFill>
                     <a:srgbClr val="000000"/>
                   </a:solidFill>
@@ -313,7 +319,7 @@
             </a:ln>
             <a:extLst>
               <a:ext uri="{91240B29-F687-4f45-9708-019B960494DF}">
-                <a14:hiddenLine xmlns:a14="http://schemas.microsoft.com/office/drawing/2010/main" xmlns="" w="9525">
+                <a14:hiddenLine xmlns="" xmlns:a14="http://schemas.microsoft.com/office/drawing/2010/main" w="9525">
                   <a:solidFill>
                     <a:srgbClr val="000000"/>
                   </a:solidFill>
@@ -403,7 +409,7 @@
             </a:ln>
             <a:extLst>
               <a:ext uri="{91240B29-F687-4f45-9708-019B960494DF}">
-                <a14:hiddenLine xmlns:a14="http://schemas.microsoft.com/office/drawing/2010/main" xmlns="" w="9525">
+                <a14:hiddenLine xmlns="" xmlns:a14="http://schemas.microsoft.com/office/drawing/2010/main" w="9525">
                   <a:solidFill>
                     <a:srgbClr val="000000"/>
                   </a:solidFill>
@@ -437,7 +443,7 @@
             </a:ln>
             <a:extLst>
               <a:ext uri="{91240B29-F687-4f45-9708-019B960494DF}">
-                <a14:hiddenLine xmlns:a14="http://schemas.microsoft.com/office/drawing/2010/main" xmlns="" w="9525">
+                <a14:hiddenLine xmlns="" xmlns:a14="http://schemas.microsoft.com/office/drawing/2010/main" w="9525">
                   <a:solidFill>
                     <a:srgbClr val="000000"/>
                   </a:solidFill>
@@ -527,7 +533,7 @@
             </a:ln>
             <a:extLst>
               <a:ext uri="{91240B29-F687-4f45-9708-019B960494DF}">
-                <a14:hiddenLine xmlns:a14="http://schemas.microsoft.com/office/drawing/2010/main" xmlns="" w="9525">
+                <a14:hiddenLine xmlns="" xmlns:a14="http://schemas.microsoft.com/office/drawing/2010/main" w="9525">
                   <a:solidFill>
                     <a:srgbClr val="000000"/>
                   </a:solidFill>
@@ -589,7 +595,7 @@
             </a:ln>
             <a:extLst>
               <a:ext uri="{91240B29-F687-4f45-9708-019B960494DF}">
-                <a14:hiddenLine xmlns:a14="http://schemas.microsoft.com/office/drawing/2010/main" xmlns="" w="9525">
+                <a14:hiddenLine xmlns="" xmlns:a14="http://schemas.microsoft.com/office/drawing/2010/main" w="9525">
                   <a:solidFill>
                     <a:srgbClr val="000000"/>
                   </a:solidFill>
@@ -651,7 +657,7 @@
             </a:ln>
             <a:extLst>
               <a:ext uri="{91240B29-F687-4f45-9708-019B960494DF}">
-                <a14:hiddenLine xmlns:a14="http://schemas.microsoft.com/office/drawing/2010/main" xmlns="" w="9525">
+                <a14:hiddenLine xmlns="" xmlns:a14="http://schemas.microsoft.com/office/drawing/2010/main" w="9525">
                   <a:solidFill>
                     <a:srgbClr val="000000"/>
                   </a:solidFill>
@@ -741,7 +747,7 @@
             </a:ln>
             <a:extLst>
               <a:ext uri="{91240B29-F687-4f45-9708-019B960494DF}">
-                <a14:hiddenLine xmlns:a14="http://schemas.microsoft.com/office/drawing/2010/main" xmlns="" w="9525">
+                <a14:hiddenLine xmlns="" xmlns:a14="http://schemas.microsoft.com/office/drawing/2010/main" w="9525">
                   <a:solidFill>
                     <a:srgbClr val="000000"/>
                   </a:solidFill>
@@ -803,7 +809,7 @@
             </a:ln>
             <a:extLst>
               <a:ext uri="{91240B29-F687-4f45-9708-019B960494DF}">
-                <a14:hiddenLine xmlns:a14="http://schemas.microsoft.com/office/drawing/2010/main" xmlns="" w="9525">
+                <a14:hiddenLine xmlns="" xmlns:a14="http://schemas.microsoft.com/office/drawing/2010/main" w="9525">
                   <a:solidFill>
                     <a:srgbClr val="000000"/>
                   </a:solidFill>
@@ -865,7 +871,7 @@
             </a:ln>
             <a:extLst>
               <a:ext uri="{91240B29-F687-4f45-9708-019B960494DF}">
-                <a14:hiddenLine xmlns:a14="http://schemas.microsoft.com/office/drawing/2010/main" xmlns="" w="9525">
+                <a14:hiddenLine xmlns="" xmlns:a14="http://schemas.microsoft.com/office/drawing/2010/main" w="9525">
                   <a:solidFill>
                     <a:srgbClr val="000000"/>
                   </a:solidFill>
@@ -955,7 +961,7 @@
             </a:ln>
             <a:extLst>
               <a:ext uri="{91240B29-F687-4f45-9708-019B960494DF}">
-                <a14:hiddenLine xmlns:a14="http://schemas.microsoft.com/office/drawing/2010/main" xmlns="" w="9525">
+                <a14:hiddenLine xmlns="" xmlns:a14="http://schemas.microsoft.com/office/drawing/2010/main" w="9525">
                   <a:solidFill>
                     <a:srgbClr val="000000"/>
                   </a:solidFill>
@@ -1045,7 +1051,7 @@
             </a:ln>
             <a:extLst>
               <a:ext uri="{91240B29-F687-4f45-9708-019B960494DF}">
-                <a14:hiddenLine xmlns:a14="http://schemas.microsoft.com/office/drawing/2010/main" xmlns="" w="9525">
+                <a14:hiddenLine xmlns="" xmlns:a14="http://schemas.microsoft.com/office/drawing/2010/main" w="9525">
                   <a:solidFill>
                     <a:srgbClr val="000000"/>
                   </a:solidFill>
@@ -1107,7 +1113,7 @@
             </a:ln>
             <a:extLst>
               <a:ext uri="{91240B29-F687-4f45-9708-019B960494DF}">
-                <a14:hiddenLine xmlns:a14="http://schemas.microsoft.com/office/drawing/2010/main" xmlns="" w="9525">
+                <a14:hiddenLine xmlns="" xmlns:a14="http://schemas.microsoft.com/office/drawing/2010/main" w="9525">
                   <a:solidFill>
                     <a:srgbClr val="000000"/>
                   </a:solidFill>
@@ -1217,7 +1223,7 @@
             </a:ln>
             <a:extLst>
               <a:ext uri="{91240B29-F687-4f45-9708-019B960494DF}">
-                <a14:hiddenLine xmlns:a14="http://schemas.microsoft.com/office/drawing/2010/main" xmlns="" w="9525">
+                <a14:hiddenLine xmlns="" xmlns:a14="http://schemas.microsoft.com/office/drawing/2010/main" w="9525">
                   <a:solidFill>
                     <a:srgbClr val="000000"/>
                   </a:solidFill>
@@ -1279,7 +1285,7 @@
             </a:ln>
             <a:extLst>
               <a:ext uri="{91240B29-F687-4f45-9708-019B960494DF}">
-                <a14:hiddenLine xmlns:a14="http://schemas.microsoft.com/office/drawing/2010/main" xmlns="" w="9525">
+                <a14:hiddenLine xmlns="" xmlns:a14="http://schemas.microsoft.com/office/drawing/2010/main" w="9525">
                   <a:solidFill>
                     <a:srgbClr val="000000"/>
                   </a:solidFill>
@@ -1369,7 +1375,7 @@
             </a:ln>
             <a:extLst>
               <a:ext uri="{91240B29-F687-4f45-9708-019B960494DF}">
-                <a14:hiddenLine xmlns:a14="http://schemas.microsoft.com/office/drawing/2010/main" xmlns="" w="9525">
+                <a14:hiddenLine xmlns="" xmlns:a14="http://schemas.microsoft.com/office/drawing/2010/main" w="9525">
                   <a:solidFill>
                     <a:srgbClr val="000000"/>
                   </a:solidFill>
@@ -1459,7 +1465,7 @@
             </a:ln>
             <a:extLst>
               <a:ext uri="{91240B29-F687-4f45-9708-019B960494DF}">
-                <a14:hiddenLine xmlns:a14="http://schemas.microsoft.com/office/drawing/2010/main" xmlns="" w="9525">
+                <a14:hiddenLine xmlns="" xmlns:a14="http://schemas.microsoft.com/office/drawing/2010/main" w="9525">
                   <a:solidFill>
                     <a:srgbClr val="000000"/>
                   </a:solidFill>
@@ -1521,7 +1527,7 @@
             </a:ln>
             <a:extLst>
               <a:ext uri="{91240B29-F687-4f45-9708-019B960494DF}">
-                <a14:hiddenLine xmlns:a14="http://schemas.microsoft.com/office/drawing/2010/main" xmlns="" w="9525">
+                <a14:hiddenLine xmlns="" xmlns:a14="http://schemas.microsoft.com/office/drawing/2010/main" w="9525">
                   <a:solidFill>
                     <a:srgbClr val="000000"/>
                   </a:solidFill>
@@ -1611,7 +1617,7 @@
             </a:ln>
             <a:extLst>
               <a:ext uri="{91240B29-F687-4f45-9708-019B960494DF}">
-                <a14:hiddenLine xmlns:a14="http://schemas.microsoft.com/office/drawing/2010/main" xmlns="" w="9525">
+                <a14:hiddenLine xmlns="" xmlns:a14="http://schemas.microsoft.com/office/drawing/2010/main" w="9525">
                   <a:solidFill>
                     <a:srgbClr val="000000"/>
                   </a:solidFill>
@@ -1701,7 +1707,7 @@
             </a:ln>
             <a:extLst>
               <a:ext uri="{91240B29-F687-4f45-9708-019B960494DF}">
-                <a14:hiddenLine xmlns:a14="http://schemas.microsoft.com/office/drawing/2010/main" xmlns="" w="9525">
+                <a14:hiddenLine xmlns="" xmlns:a14="http://schemas.microsoft.com/office/drawing/2010/main" w="9525">
                   <a:solidFill>
                     <a:srgbClr val="000000"/>
                   </a:solidFill>
@@ -1757,7 +1763,7 @@
             </a:ln>
             <a:extLst>
               <a:ext uri="{91240B29-F687-4f45-9708-019B960494DF}">
-                <a14:hiddenLine xmlns:a14="http://schemas.microsoft.com/office/drawing/2010/main" xmlns="" w="9525">
+                <a14:hiddenLine xmlns="" xmlns:a14="http://schemas.microsoft.com/office/drawing/2010/main" w="9525">
                   <a:solidFill>
                     <a:srgbClr val="000000"/>
                   </a:solidFill>
@@ -1847,7 +1853,7 @@
             </a:ln>
             <a:extLst>
               <a:ext uri="{91240B29-F687-4f45-9708-019B960494DF}">
-                <a14:hiddenLine xmlns:a14="http://schemas.microsoft.com/office/drawing/2010/main" xmlns="" w="9525">
+                <a14:hiddenLine xmlns="" xmlns:a14="http://schemas.microsoft.com/office/drawing/2010/main" w="9525">
                   <a:solidFill>
                     <a:srgbClr val="000000"/>
                   </a:solidFill>
@@ -1903,7 +1909,7 @@
             </a:ln>
             <a:extLst>
               <a:ext uri="{91240B29-F687-4f45-9708-019B960494DF}">
-                <a14:hiddenLine xmlns:a14="http://schemas.microsoft.com/office/drawing/2010/main" xmlns="" w="9525">
+                <a14:hiddenLine xmlns="" xmlns:a14="http://schemas.microsoft.com/office/drawing/2010/main" w="9525">
                   <a:solidFill>
                     <a:srgbClr val="000000"/>
                   </a:solidFill>
@@ -1993,7 +1999,7 @@
             </a:ln>
             <a:extLst>
               <a:ext uri="{91240B29-F687-4f45-9708-019B960494DF}">
-                <a14:hiddenLine xmlns:a14="http://schemas.microsoft.com/office/drawing/2010/main" xmlns="" w="9525">
+                <a14:hiddenLine xmlns="" xmlns:a14="http://schemas.microsoft.com/office/drawing/2010/main" w="9525">
                   <a:solidFill>
                     <a:srgbClr val="000000"/>
                   </a:solidFill>
@@ -2061,7 +2067,7 @@
             </a:ln>
             <a:extLst>
               <a:ext uri="{91240B29-F687-4f45-9708-019B960494DF}">
-                <a14:hiddenLine xmlns:a14="http://schemas.microsoft.com/office/drawing/2010/main" xmlns="" w="9525">
+                <a14:hiddenLine xmlns="" xmlns:a14="http://schemas.microsoft.com/office/drawing/2010/main" w="9525">
                   <a:solidFill>
                     <a:srgbClr val="000000"/>
                   </a:solidFill>
@@ -2151,7 +2157,7 @@
             </a:ln>
             <a:extLst>
               <a:ext uri="{91240B29-F687-4f45-9708-019B960494DF}">
-                <a14:hiddenLine xmlns:a14="http://schemas.microsoft.com/office/drawing/2010/main" xmlns="" w="9525">
+                <a14:hiddenLine xmlns="" xmlns:a14="http://schemas.microsoft.com/office/drawing/2010/main" w="9525">
                   <a:solidFill>
                     <a:srgbClr val="000000"/>
                   </a:solidFill>
@@ -2219,7 +2225,7 @@
             </a:ln>
             <a:extLst>
               <a:ext uri="{91240B29-F687-4f45-9708-019B960494DF}">
-                <a14:hiddenLine xmlns:a14="http://schemas.microsoft.com/office/drawing/2010/main" xmlns="" w="9525">
+                <a14:hiddenLine xmlns="" xmlns:a14="http://schemas.microsoft.com/office/drawing/2010/main" w="9525">
                   <a:solidFill>
                     <a:srgbClr val="000000"/>
                   </a:solidFill>
@@ -2309,7 +2315,7 @@
             </a:ln>
             <a:extLst>
               <a:ext uri="{91240B29-F687-4f45-9708-019B960494DF}">
-                <a14:hiddenLine xmlns:a14="http://schemas.microsoft.com/office/drawing/2010/main" xmlns="" w="9525">
+                <a14:hiddenLine xmlns="" xmlns:a14="http://schemas.microsoft.com/office/drawing/2010/main" w="9525">
                   <a:solidFill>
                     <a:srgbClr val="000000"/>
                   </a:solidFill>
@@ -2343,7 +2349,7 @@
             </a:ln>
             <a:extLst>
               <a:ext uri="{91240B29-F687-4f45-9708-019B960494DF}">
-                <a14:hiddenLine xmlns:a14="http://schemas.microsoft.com/office/drawing/2010/main" xmlns="" w="9525">
+                <a14:hiddenLine xmlns="" xmlns:a14="http://schemas.microsoft.com/office/drawing/2010/main" w="9525">
                   <a:solidFill>
                     <a:srgbClr val="000000"/>
                   </a:solidFill>
@@ -2433,7 +2439,7 @@
             </a:ln>
             <a:extLst>
               <a:ext uri="{91240B29-F687-4f45-9708-019B960494DF}">
-                <a14:hiddenLine xmlns:a14="http://schemas.microsoft.com/office/drawing/2010/main" xmlns="" w="9525">
+                <a14:hiddenLine xmlns="" xmlns:a14="http://schemas.microsoft.com/office/drawing/2010/main" w="9525">
                   <a:solidFill>
                     <a:srgbClr val="000000"/>
                   </a:solidFill>
@@ -2495,7 +2501,7 @@
             </a:ln>
             <a:extLst>
               <a:ext uri="{91240B29-F687-4f45-9708-019B960494DF}">
-                <a14:hiddenLine xmlns:a14="http://schemas.microsoft.com/office/drawing/2010/main" xmlns="" w="9525">
+                <a14:hiddenLine xmlns="" xmlns:a14="http://schemas.microsoft.com/office/drawing/2010/main" w="9525">
                   <a:solidFill>
                     <a:srgbClr val="000000"/>
                   </a:solidFill>
@@ -2557,7 +2563,7 @@
             </a:ln>
             <a:extLst>
               <a:ext uri="{91240B29-F687-4f45-9708-019B960494DF}">
-                <a14:hiddenLine xmlns:a14="http://schemas.microsoft.com/office/drawing/2010/main" xmlns="" w="9525">
+                <a14:hiddenLine xmlns="" xmlns:a14="http://schemas.microsoft.com/office/drawing/2010/main" w="9525">
                   <a:solidFill>
                     <a:srgbClr val="000000"/>
                   </a:solidFill>
@@ -2647,7 +2653,7 @@
             </a:ln>
             <a:extLst>
               <a:ext uri="{91240B29-F687-4f45-9708-019B960494DF}">
-                <a14:hiddenLine xmlns:a14="http://schemas.microsoft.com/office/drawing/2010/main" xmlns="" w="9525">
+                <a14:hiddenLine xmlns="" xmlns:a14="http://schemas.microsoft.com/office/drawing/2010/main" w="9525">
                   <a:solidFill>
                     <a:srgbClr val="000000"/>
                   </a:solidFill>
@@ -2715,7 +2721,7 @@
             </a:ln>
             <a:extLst>
               <a:ext uri="{91240B29-F687-4f45-9708-019B960494DF}">
-                <a14:hiddenLine xmlns:a14="http://schemas.microsoft.com/office/drawing/2010/main" xmlns="" w="9525">
+                <a14:hiddenLine xmlns="" xmlns:a14="http://schemas.microsoft.com/office/drawing/2010/main" w="9525">
                   <a:solidFill>
                     <a:srgbClr val="000000"/>
                   </a:solidFill>
@@ -2777,7 +2783,7 @@
             </a:ln>
             <a:extLst>
               <a:ext uri="{91240B29-F687-4f45-9708-019B960494DF}">
-                <a14:hiddenLine xmlns:a14="http://schemas.microsoft.com/office/drawing/2010/main" xmlns="" w="9525">
+                <a14:hiddenLine xmlns="" xmlns:a14="http://schemas.microsoft.com/office/drawing/2010/main" w="9525">
                   <a:solidFill>
                     <a:srgbClr val="000000"/>
                   </a:solidFill>
@@ -2867,7 +2873,7 @@
             </a:ln>
             <a:extLst>
               <a:ext uri="{91240B29-F687-4f45-9708-019B960494DF}">
-                <a14:hiddenLine xmlns:a14="http://schemas.microsoft.com/office/drawing/2010/main" xmlns="" w="9525">
+                <a14:hiddenLine xmlns="" xmlns:a14="http://schemas.microsoft.com/office/drawing/2010/main" w="9525">
                   <a:solidFill>
                     <a:srgbClr val="000000"/>
                   </a:solidFill>
@@ -2929,7 +2935,7 @@
             </a:ln>
             <a:extLst>
               <a:ext uri="{91240B29-F687-4f45-9708-019B960494DF}">
-                <a14:hiddenLine xmlns:a14="http://schemas.microsoft.com/office/drawing/2010/main" xmlns="" w="9525">
+                <a14:hiddenLine xmlns="" xmlns:a14="http://schemas.microsoft.com/office/drawing/2010/main" w="9525">
                   <a:solidFill>
                     <a:srgbClr val="000000"/>
                   </a:solidFill>
@@ -3019,7 +3025,7 @@
             </a:ln>
             <a:extLst>
               <a:ext uri="{91240B29-F687-4f45-9708-019B960494DF}">
-                <a14:hiddenLine xmlns:a14="http://schemas.microsoft.com/office/drawing/2010/main" xmlns="" w="9525">
+                <a14:hiddenLine xmlns="" xmlns:a14="http://schemas.microsoft.com/office/drawing/2010/main" w="9525">
                   <a:solidFill>
                     <a:srgbClr val="000000"/>
                   </a:solidFill>
@@ -3081,7 +3087,7 @@
             </a:ln>
             <a:extLst>
               <a:ext uri="{91240B29-F687-4f45-9708-019B960494DF}">
-                <a14:hiddenLine xmlns:a14="http://schemas.microsoft.com/office/drawing/2010/main" xmlns="" w="9525">
+                <a14:hiddenLine xmlns="" xmlns:a14="http://schemas.microsoft.com/office/drawing/2010/main" w="9525">
                   <a:solidFill>
                     <a:srgbClr val="000000"/>
                   </a:solidFill>
@@ -3171,7 +3177,7 @@
             </a:ln>
             <a:extLst>
               <a:ext uri="{91240B29-F687-4f45-9708-019B960494DF}">
-                <a14:hiddenLine xmlns:a14="http://schemas.microsoft.com/office/drawing/2010/main" xmlns="" w="9525">
+                <a14:hiddenLine xmlns="" xmlns:a14="http://schemas.microsoft.com/office/drawing/2010/main" w="9525">
                   <a:solidFill>
                     <a:srgbClr val="000000"/>
                   </a:solidFill>
@@ -3205,7 +3211,7 @@
             </a:ln>
             <a:extLst>
               <a:ext uri="{91240B29-F687-4f45-9708-019B960494DF}">
-                <a14:hiddenLine xmlns:a14="http://schemas.microsoft.com/office/drawing/2010/main" xmlns="" w="9525">
+                <a14:hiddenLine xmlns="" xmlns:a14="http://schemas.microsoft.com/office/drawing/2010/main" w="9525">
                   <a:solidFill>
                     <a:srgbClr val="000000"/>
                   </a:solidFill>
@@ -3270,7 +3276,7 @@
             </a:ln>
             <a:extLst>
               <a:ext uri="{91240B29-F687-4f45-9708-019B960494DF}">
-                <a14:hiddenLine xmlns:a14="http://schemas.microsoft.com/office/drawing/2010/main" xmlns="" w="9525">
+                <a14:hiddenLine xmlns="" xmlns:a14="http://schemas.microsoft.com/office/drawing/2010/main" w="9525">
                   <a:solidFill>
                     <a:srgbClr val="000000"/>
                   </a:solidFill>
@@ -3360,7 +3366,7 @@
             </a:ln>
             <a:extLst>
               <a:ext uri="{91240B29-F687-4f45-9708-019B960494DF}">
-                <a14:hiddenLine xmlns:a14="http://schemas.microsoft.com/office/drawing/2010/main" xmlns="" w="9525">
+                <a14:hiddenLine xmlns="" xmlns:a14="http://schemas.microsoft.com/office/drawing/2010/main" w="9525">
                   <a:solidFill>
                     <a:srgbClr val="000000"/>
                   </a:solidFill>
@@ -3422,7 +3428,7 @@
             </a:ln>
             <a:extLst>
               <a:ext uri="{91240B29-F687-4f45-9708-019B960494DF}">
-                <a14:hiddenLine xmlns:a14="http://schemas.microsoft.com/office/drawing/2010/main" xmlns="" w="9525">
+                <a14:hiddenLine xmlns="" xmlns:a14="http://schemas.microsoft.com/office/drawing/2010/main" w="9525">
                   <a:solidFill>
                     <a:srgbClr val="000000"/>
                   </a:solidFill>
@@ -3512,7 +3518,7 @@
             </a:ln>
             <a:extLst>
               <a:ext uri="{91240B29-F687-4f45-9708-019B960494DF}">
-                <a14:hiddenLine xmlns:a14="http://schemas.microsoft.com/office/drawing/2010/main" xmlns="" w="9525">
+                <a14:hiddenLine xmlns="" xmlns:a14="http://schemas.microsoft.com/office/drawing/2010/main" w="9525">
                   <a:solidFill>
                     <a:srgbClr val="000000"/>
                   </a:solidFill>
@@ -3602,7 +3608,7 @@
             </a:ln>
             <a:extLst>
               <a:ext uri="{91240B29-F687-4f45-9708-019B960494DF}">
-                <a14:hiddenLine xmlns:a14="http://schemas.microsoft.com/office/drawing/2010/main" xmlns="" w="9525">
+                <a14:hiddenLine xmlns="" xmlns:a14="http://schemas.microsoft.com/office/drawing/2010/main" w="9525">
                   <a:solidFill>
                     <a:srgbClr val="000000"/>
                   </a:solidFill>
@@ -3667,7 +3673,7 @@
             </a:ln>
             <a:extLst>
               <a:ext uri="{91240B29-F687-4f45-9708-019B960494DF}">
-                <a14:hiddenLine xmlns:a14="http://schemas.microsoft.com/office/drawing/2010/main" xmlns="" w="9525">
+                <a14:hiddenLine xmlns="" xmlns:a14="http://schemas.microsoft.com/office/drawing/2010/main" w="9525">
                   <a:solidFill>
                     <a:srgbClr val="000000"/>
                   </a:solidFill>
@@ -3729,7 +3735,7 @@
             </a:ln>
             <a:extLst>
               <a:ext uri="{91240B29-F687-4f45-9708-019B960494DF}">
-                <a14:hiddenLine xmlns:a14="http://schemas.microsoft.com/office/drawing/2010/main" xmlns="" w="9525">
+                <a14:hiddenLine xmlns="" xmlns:a14="http://schemas.microsoft.com/office/drawing/2010/main" w="9525">
                   <a:solidFill>
                     <a:srgbClr val="000000"/>
                   </a:solidFill>
@@ -3819,7 +3825,7 @@
             </a:ln>
             <a:extLst>
               <a:ext uri="{91240B29-F687-4f45-9708-019B960494DF}">
-                <a14:hiddenLine xmlns:a14="http://schemas.microsoft.com/office/drawing/2010/main" xmlns="" w="9525">
+                <a14:hiddenLine xmlns="" xmlns:a14="http://schemas.microsoft.com/office/drawing/2010/main" w="9525">
                   <a:solidFill>
                     <a:srgbClr val="000000"/>
                   </a:solidFill>
@@ -3909,7 +3915,7 @@
             </a:ln>
             <a:extLst>
               <a:ext uri="{91240B29-F687-4f45-9708-019B960494DF}">
-                <a14:hiddenLine xmlns:a14="http://schemas.microsoft.com/office/drawing/2010/main" xmlns="" w="9525">
+                <a14:hiddenLine xmlns="" xmlns:a14="http://schemas.microsoft.com/office/drawing/2010/main" w="9525">
                   <a:solidFill>
                     <a:srgbClr val="000000"/>
                   </a:solidFill>
@@ -3971,7 +3977,7 @@
             </a:ln>
             <a:extLst>
               <a:ext uri="{91240B29-F687-4f45-9708-019B960494DF}">
-                <a14:hiddenLine xmlns:a14="http://schemas.microsoft.com/office/drawing/2010/main" xmlns="" w="9525">
+                <a14:hiddenLine xmlns="" xmlns:a14="http://schemas.microsoft.com/office/drawing/2010/main" w="9525">
                   <a:solidFill>
                     <a:srgbClr val="000000"/>
                   </a:solidFill>
@@ -4091,7 +4097,7 @@
             </a:ln>
             <a:extLst>
               <a:ext uri="{91240B29-F687-4f45-9708-019B960494DF}">
-                <a14:hiddenLine xmlns:a14="http://schemas.microsoft.com/office/drawing/2010/main" xmlns="" w="9525">
+                <a14:hiddenLine xmlns="" xmlns:a14="http://schemas.microsoft.com/office/drawing/2010/main" w="9525">
                   <a:solidFill>
                     <a:srgbClr val="000000"/>
                   </a:solidFill>
@@ -4159,7 +4165,7 @@
             </a:ln>
             <a:extLst>
               <a:ext uri="{91240B29-F687-4f45-9708-019B960494DF}">
-                <a14:hiddenLine xmlns:a14="http://schemas.microsoft.com/office/drawing/2010/main" xmlns="" w="9525">
+                <a14:hiddenLine xmlns="" xmlns:a14="http://schemas.microsoft.com/office/drawing/2010/main" w="9525">
                   <a:solidFill>
                     <a:srgbClr val="000000"/>
                   </a:solidFill>
@@ -4249,7 +4255,7 @@
             </a:ln>
             <a:extLst>
               <a:ext uri="{91240B29-F687-4f45-9708-019B960494DF}">
-                <a14:hiddenLine xmlns:a14="http://schemas.microsoft.com/office/drawing/2010/main" xmlns="" w="9525">
+                <a14:hiddenLine xmlns="" xmlns:a14="http://schemas.microsoft.com/office/drawing/2010/main" w="9525">
                   <a:solidFill>
                     <a:srgbClr val="000000"/>
                   </a:solidFill>
@@ -9056,7 +9062,7 @@
           <a:noFill/>
           <a:extLst>
             <a:ext uri="{909E8E84-426E-40dd-AFC4-6F175D3DCCD1}">
-              <a14:hiddenFill xmlns:a14="http://schemas.microsoft.com/office/drawing/2010/main" xmlns="">
+              <a14:hiddenFill xmlns="" xmlns:a14="http://schemas.microsoft.com/office/drawing/2010/main">
                 <a:solidFill>
                   <a:srgbClr val="FFFFFF"/>
                 </a:solidFill>
@@ -9130,7 +9136,7 @@
               </a:ln>
               <a:extLst>
                 <a:ext uri="{91240B29-F687-4f45-9708-019B960494DF}">
-                  <a14:hiddenLine xmlns:a14="http://schemas.microsoft.com/office/drawing/2010/main" xmlns="" w="9525">
+                  <a14:hiddenLine xmlns="" xmlns:a14="http://schemas.microsoft.com/office/drawing/2010/main" w="9525">
                     <a:solidFill>
                       <a:srgbClr val="000000"/>
                     </a:solidFill>
@@ -9220,7 +9226,7 @@
               </a:ln>
               <a:extLst>
                 <a:ext uri="{91240B29-F687-4f45-9708-019B960494DF}">
-                  <a14:hiddenLine xmlns:a14="http://schemas.microsoft.com/office/drawing/2010/main" xmlns="" w="9525">
+                  <a14:hiddenLine xmlns="" xmlns:a14="http://schemas.microsoft.com/office/drawing/2010/main" w="9525">
                     <a:solidFill>
                       <a:srgbClr val="000000"/>
                     </a:solidFill>
@@ -9310,7 +9316,7 @@
               </a:ln>
               <a:extLst>
                 <a:ext uri="{91240B29-F687-4f45-9708-019B960494DF}">
-                  <a14:hiddenLine xmlns:a14="http://schemas.microsoft.com/office/drawing/2010/main" xmlns="" w="9525">
+                  <a14:hiddenLine xmlns="" xmlns:a14="http://schemas.microsoft.com/office/drawing/2010/main" w="9525">
                     <a:solidFill>
                       <a:srgbClr val="000000"/>
                     </a:solidFill>
@@ -9372,7 +9378,7 @@
               </a:ln>
               <a:extLst>
                 <a:ext uri="{91240B29-F687-4f45-9708-019B960494DF}">
-                  <a14:hiddenLine xmlns:a14="http://schemas.microsoft.com/office/drawing/2010/main" xmlns="" w="9525">
+                  <a14:hiddenLine xmlns="" xmlns:a14="http://schemas.microsoft.com/office/drawing/2010/main" w="9525">
                     <a:solidFill>
                       <a:srgbClr val="000000"/>
                     </a:solidFill>
@@ -9462,7 +9468,7 @@
               </a:ln>
               <a:extLst>
                 <a:ext uri="{91240B29-F687-4f45-9708-019B960494DF}">
-                  <a14:hiddenLine xmlns:a14="http://schemas.microsoft.com/office/drawing/2010/main" xmlns="" w="9525">
+                  <a14:hiddenLine xmlns="" xmlns:a14="http://schemas.microsoft.com/office/drawing/2010/main" w="9525">
                     <a:solidFill>
                       <a:srgbClr val="000000"/>
                     </a:solidFill>
@@ -9524,7 +9530,7 @@
               </a:ln>
               <a:extLst>
                 <a:ext uri="{91240B29-F687-4f45-9708-019B960494DF}">
-                  <a14:hiddenLine xmlns:a14="http://schemas.microsoft.com/office/drawing/2010/main" xmlns="" w="9525">
+                  <a14:hiddenLine xmlns="" xmlns:a14="http://schemas.microsoft.com/office/drawing/2010/main" w="9525">
                     <a:solidFill>
                       <a:srgbClr val="000000"/>
                     </a:solidFill>
@@ -9586,7 +9592,7 @@
               </a:ln>
               <a:extLst>
                 <a:ext uri="{91240B29-F687-4f45-9708-019B960494DF}">
-                  <a14:hiddenLine xmlns:a14="http://schemas.microsoft.com/office/drawing/2010/main" xmlns="" w="9525">
+                  <a14:hiddenLine xmlns="" xmlns:a14="http://schemas.microsoft.com/office/drawing/2010/main" w="9525">
                     <a:solidFill>
                       <a:srgbClr val="000000"/>
                     </a:solidFill>
@@ -9676,7 +9682,7 @@
               </a:ln>
               <a:extLst>
                 <a:ext uri="{91240B29-F687-4f45-9708-019B960494DF}">
-                  <a14:hiddenLine xmlns:a14="http://schemas.microsoft.com/office/drawing/2010/main" xmlns="" w="9525">
+                  <a14:hiddenLine xmlns="" xmlns:a14="http://schemas.microsoft.com/office/drawing/2010/main" w="9525">
                     <a:solidFill>
                       <a:srgbClr val="000000"/>
                     </a:solidFill>
@@ -9766,7 +9772,7 @@
               </a:ln>
               <a:extLst>
                 <a:ext uri="{91240B29-F687-4f45-9708-019B960494DF}">
-                  <a14:hiddenLine xmlns:a14="http://schemas.microsoft.com/office/drawing/2010/main" xmlns="" w="9525">
+                  <a14:hiddenLine xmlns="" xmlns:a14="http://schemas.microsoft.com/office/drawing/2010/main" w="9525">
                     <a:solidFill>
                       <a:srgbClr val="000000"/>
                     </a:solidFill>
@@ -9828,7 +9834,7 @@
               </a:ln>
               <a:extLst>
                 <a:ext uri="{91240B29-F687-4f45-9708-019B960494DF}">
-                  <a14:hiddenLine xmlns:a14="http://schemas.microsoft.com/office/drawing/2010/main" xmlns="" w="9525">
+                  <a14:hiddenLine xmlns="" xmlns:a14="http://schemas.microsoft.com/office/drawing/2010/main" w="9525">
                     <a:solidFill>
                       <a:srgbClr val="000000"/>
                     </a:solidFill>
@@ -9938,7 +9944,7 @@
               </a:ln>
               <a:extLst>
                 <a:ext uri="{91240B29-F687-4f45-9708-019B960494DF}">
-                  <a14:hiddenLine xmlns:a14="http://schemas.microsoft.com/office/drawing/2010/main" xmlns="" w="9525">
+                  <a14:hiddenLine xmlns="" xmlns:a14="http://schemas.microsoft.com/office/drawing/2010/main" w="9525">
                     <a:solidFill>
                       <a:srgbClr val="000000"/>
                     </a:solidFill>
@@ -10022,7 +10028,7 @@
               </a:ln>
               <a:extLst>
                 <a:ext uri="{91240B29-F687-4f45-9708-019B960494DF}">
-                  <a14:hiddenLine xmlns:a14="http://schemas.microsoft.com/office/drawing/2010/main" xmlns="" w="9525">
+                  <a14:hiddenLine xmlns="" xmlns:a14="http://schemas.microsoft.com/office/drawing/2010/main" w="9525">
                     <a:solidFill>
                       <a:srgbClr val="000000"/>
                     </a:solidFill>
@@ -10084,7 +10090,7 @@
               </a:ln>
               <a:extLst>
                 <a:ext uri="{91240B29-F687-4f45-9708-019B960494DF}">
-                  <a14:hiddenLine xmlns:a14="http://schemas.microsoft.com/office/drawing/2010/main" xmlns="" w="9525">
+                  <a14:hiddenLine xmlns="" xmlns:a14="http://schemas.microsoft.com/office/drawing/2010/main" w="9525">
                     <a:solidFill>
                       <a:srgbClr val="000000"/>
                     </a:solidFill>
@@ -10146,7 +10152,7 @@
               </a:ln>
               <a:extLst>
                 <a:ext uri="{91240B29-F687-4f45-9708-019B960494DF}">
-                  <a14:hiddenLine xmlns:a14="http://schemas.microsoft.com/office/drawing/2010/main" xmlns="" w="9525">
+                  <a14:hiddenLine xmlns="" xmlns:a14="http://schemas.microsoft.com/office/drawing/2010/main" w="9525">
                     <a:solidFill>
                       <a:srgbClr val="000000"/>
                     </a:solidFill>
@@ -10236,7 +10242,7 @@
               </a:ln>
               <a:extLst>
                 <a:ext uri="{91240B29-F687-4f45-9708-019B960494DF}">
-                  <a14:hiddenLine xmlns:a14="http://schemas.microsoft.com/office/drawing/2010/main" xmlns="" w="9525">
+                  <a14:hiddenLine xmlns="" xmlns:a14="http://schemas.microsoft.com/office/drawing/2010/main" w="9525">
                     <a:solidFill>
                       <a:srgbClr val="000000"/>
                     </a:solidFill>
@@ -10270,7 +10276,7 @@
               </a:ln>
               <a:extLst>
                 <a:ext uri="{91240B29-F687-4f45-9708-019B960494DF}">
-                  <a14:hiddenLine xmlns:a14="http://schemas.microsoft.com/office/drawing/2010/main" xmlns="" w="9525">
+                  <a14:hiddenLine xmlns="" xmlns:a14="http://schemas.microsoft.com/office/drawing/2010/main" w="9525">
                     <a:solidFill>
                       <a:srgbClr val="000000"/>
                     </a:solidFill>
@@ -10335,7 +10341,7 @@
               </a:ln>
               <a:extLst>
                 <a:ext uri="{91240B29-F687-4f45-9708-019B960494DF}">
-                  <a14:hiddenLine xmlns:a14="http://schemas.microsoft.com/office/drawing/2010/main" xmlns="" w="9525">
+                  <a14:hiddenLine xmlns="" xmlns:a14="http://schemas.microsoft.com/office/drawing/2010/main" w="9525">
                     <a:solidFill>
                       <a:srgbClr val="000000"/>
                     </a:solidFill>
@@ -10425,7 +10431,7 @@
               </a:ln>
               <a:extLst>
                 <a:ext uri="{91240B29-F687-4f45-9708-019B960494DF}">
-                  <a14:hiddenLine xmlns:a14="http://schemas.microsoft.com/office/drawing/2010/main" xmlns="" w="9525">
+                  <a14:hiddenLine xmlns="" xmlns:a14="http://schemas.microsoft.com/office/drawing/2010/main" w="9525">
                     <a:solidFill>
                       <a:srgbClr val="000000"/>
                     </a:solidFill>
@@ -10487,7 +10493,7 @@
               </a:ln>
               <a:extLst>
                 <a:ext uri="{91240B29-F687-4f45-9708-019B960494DF}">
-                  <a14:hiddenLine xmlns:a14="http://schemas.microsoft.com/office/drawing/2010/main" xmlns="" w="9525">
+                  <a14:hiddenLine xmlns="" xmlns:a14="http://schemas.microsoft.com/office/drawing/2010/main" w="9525">
                     <a:solidFill>
                       <a:srgbClr val="000000"/>
                     </a:solidFill>
@@ -10577,7 +10583,7 @@
               </a:ln>
               <a:extLst>
                 <a:ext uri="{91240B29-F687-4f45-9708-019B960494DF}">
-                  <a14:hiddenLine xmlns:a14="http://schemas.microsoft.com/office/drawing/2010/main" xmlns="" w="9525">
+                  <a14:hiddenLine xmlns="" xmlns:a14="http://schemas.microsoft.com/office/drawing/2010/main" w="9525">
                     <a:solidFill>
                       <a:srgbClr val="000000"/>
                     </a:solidFill>
@@ -10642,7 +10648,7 @@
               </a:ln>
               <a:extLst>
                 <a:ext uri="{91240B29-F687-4f45-9708-019B960494DF}">
-                  <a14:hiddenLine xmlns:a14="http://schemas.microsoft.com/office/drawing/2010/main" xmlns="" w="9525">
+                  <a14:hiddenLine xmlns="" xmlns:a14="http://schemas.microsoft.com/office/drawing/2010/main" w="9525">
                     <a:solidFill>
                       <a:srgbClr val="000000"/>
                     </a:solidFill>
@@ -10704,7 +10710,7 @@
               </a:ln>
               <a:extLst>
                 <a:ext uri="{91240B29-F687-4f45-9708-019B960494DF}">
-                  <a14:hiddenLine xmlns:a14="http://schemas.microsoft.com/office/drawing/2010/main" xmlns="" w="9525">
+                  <a14:hiddenLine xmlns="" xmlns:a14="http://schemas.microsoft.com/office/drawing/2010/main" w="9525">
                     <a:solidFill>
                       <a:srgbClr val="000000"/>
                     </a:solidFill>
@@ -10794,7 +10800,7 @@
               </a:ln>
               <a:extLst>
                 <a:ext uri="{91240B29-F687-4f45-9708-019B960494DF}">
-                  <a14:hiddenLine xmlns:a14="http://schemas.microsoft.com/office/drawing/2010/main" xmlns="" w="9525">
+                  <a14:hiddenLine xmlns="" xmlns:a14="http://schemas.microsoft.com/office/drawing/2010/main" w="9525">
                     <a:solidFill>
                       <a:srgbClr val="000000"/>
                     </a:solidFill>
@@ -10884,7 +10890,7 @@
               </a:ln>
               <a:extLst>
                 <a:ext uri="{91240B29-F687-4f45-9708-019B960494DF}">
-                  <a14:hiddenLine xmlns:a14="http://schemas.microsoft.com/office/drawing/2010/main" xmlns="" w="9525">
+                  <a14:hiddenLine xmlns="" xmlns:a14="http://schemas.microsoft.com/office/drawing/2010/main" w="9525">
                     <a:solidFill>
                       <a:srgbClr val="000000"/>
                     </a:solidFill>
@@ -10949,7 +10955,7 @@
               </a:ln>
               <a:extLst>
                 <a:ext uri="{91240B29-F687-4f45-9708-019B960494DF}">
-                  <a14:hiddenLine xmlns:a14="http://schemas.microsoft.com/office/drawing/2010/main" xmlns="" w="9525">
+                  <a14:hiddenLine xmlns="" xmlns:a14="http://schemas.microsoft.com/office/drawing/2010/main" w="9525">
                     <a:solidFill>
                       <a:srgbClr val="000000"/>
                     </a:solidFill>
@@ -11069,7 +11075,7 @@
               </a:ln>
               <a:extLst>
                 <a:ext uri="{91240B29-F687-4f45-9708-019B960494DF}">
-                  <a14:hiddenLine xmlns:a14="http://schemas.microsoft.com/office/drawing/2010/main" xmlns="" w="9525">
+                  <a14:hiddenLine xmlns="" xmlns:a14="http://schemas.microsoft.com/office/drawing/2010/main" w="9525">
                     <a:solidFill>
                       <a:srgbClr val="000000"/>
                     </a:solidFill>
@@ -11167,7 +11173,7 @@
               </a:ln>
               <a:extLst>
                 <a:ext uri="{91240B29-F687-4f45-9708-019B960494DF}">
-                  <a14:hiddenLine xmlns:a14="http://schemas.microsoft.com/office/drawing/2010/main" xmlns="" w="9525">
+                  <a14:hiddenLine xmlns="" xmlns:a14="http://schemas.microsoft.com/office/drawing/2010/main" w="9525">
                     <a:solidFill>
                       <a:srgbClr val="000000"/>
                     </a:solidFill>
@@ -11282,7 +11288,7 @@
               </a:ln>
               <a:extLst>
                 <a:ext uri="{91240B29-F687-4f45-9708-019B960494DF}">
-                  <a14:hiddenLine xmlns:a14="http://schemas.microsoft.com/office/drawing/2010/main" xmlns="" w="9525">
+                  <a14:hiddenLine xmlns="" xmlns:a14="http://schemas.microsoft.com/office/drawing/2010/main" w="9525">
                     <a:solidFill>
                       <a:srgbClr val="000000"/>
                     </a:solidFill>
@@ -11372,7 +11378,7 @@
               </a:ln>
               <a:extLst>
                 <a:ext uri="{91240B29-F687-4f45-9708-019B960494DF}">
-                  <a14:hiddenLine xmlns:a14="http://schemas.microsoft.com/office/drawing/2010/main" xmlns="" w="9525">
+                  <a14:hiddenLine xmlns="" xmlns:a14="http://schemas.microsoft.com/office/drawing/2010/main" w="9525">
                     <a:solidFill>
                       <a:srgbClr val="000000"/>
                     </a:solidFill>
@@ -11437,7 +11443,7 @@
               </a:ln>
               <a:extLst>
                 <a:ext uri="{91240B29-F687-4f45-9708-019B960494DF}">
-                  <a14:hiddenLine xmlns:a14="http://schemas.microsoft.com/office/drawing/2010/main" xmlns="" w="9525">
+                  <a14:hiddenLine xmlns="" xmlns:a14="http://schemas.microsoft.com/office/drawing/2010/main" w="9525">
                     <a:solidFill>
                       <a:srgbClr val="000000"/>
                     </a:solidFill>
@@ -11527,7 +11533,7 @@
               </a:ln>
               <a:extLst>
                 <a:ext uri="{91240B29-F687-4f45-9708-019B960494DF}">
-                  <a14:hiddenLine xmlns:a14="http://schemas.microsoft.com/office/drawing/2010/main" xmlns="" w="9525">
+                  <a14:hiddenLine xmlns="" xmlns:a14="http://schemas.microsoft.com/office/drawing/2010/main" w="9525">
                     <a:solidFill>
                       <a:srgbClr val="000000"/>
                     </a:solidFill>
@@ -11595,7 +11601,7 @@
               </a:ln>
               <a:extLst>
                 <a:ext uri="{91240B29-F687-4f45-9708-019B960494DF}">
-                  <a14:hiddenLine xmlns:a14="http://schemas.microsoft.com/office/drawing/2010/main" xmlns="" w="9525">
+                  <a14:hiddenLine xmlns="" xmlns:a14="http://schemas.microsoft.com/office/drawing/2010/main" w="9525">
                     <a:solidFill>
                       <a:srgbClr val="000000"/>
                     </a:solidFill>
@@ -11685,7 +11691,7 @@
               </a:ln>
               <a:extLst>
                 <a:ext uri="{91240B29-F687-4f45-9708-019B960494DF}">
-                  <a14:hiddenLine xmlns:a14="http://schemas.microsoft.com/office/drawing/2010/main" xmlns="" w="9525">
+                  <a14:hiddenLine xmlns="" xmlns:a14="http://schemas.microsoft.com/office/drawing/2010/main" w="9525">
                     <a:solidFill>
                       <a:srgbClr val="000000"/>
                     </a:solidFill>
@@ -11753,7 +11759,7 @@
               </a:ln>
               <a:extLst>
                 <a:ext uri="{91240B29-F687-4f45-9708-019B960494DF}">
-                  <a14:hiddenLine xmlns:a14="http://schemas.microsoft.com/office/drawing/2010/main" xmlns="" w="9525">
+                  <a14:hiddenLine xmlns="" xmlns:a14="http://schemas.microsoft.com/office/drawing/2010/main" w="9525">
                     <a:solidFill>
                       <a:srgbClr val="000000"/>
                     </a:solidFill>
@@ -11843,7 +11849,7 @@
               </a:ln>
               <a:extLst>
                 <a:ext uri="{91240B29-F687-4f45-9708-019B960494DF}">
-                  <a14:hiddenLine xmlns:a14="http://schemas.microsoft.com/office/drawing/2010/main" xmlns="" w="9525">
+                  <a14:hiddenLine xmlns="" xmlns:a14="http://schemas.microsoft.com/office/drawing/2010/main" w="9525">
                     <a:solidFill>
                       <a:srgbClr val="000000"/>
                     </a:solidFill>
@@ -11877,7 +11883,7 @@
               </a:ln>
               <a:extLst>
                 <a:ext uri="{91240B29-F687-4f45-9708-019B960494DF}">
-                  <a14:hiddenLine xmlns:a14="http://schemas.microsoft.com/office/drawing/2010/main" xmlns="" w="9525">
+                  <a14:hiddenLine xmlns="" xmlns:a14="http://schemas.microsoft.com/office/drawing/2010/main" w="9525">
                     <a:solidFill>
                       <a:srgbClr val="000000"/>
                     </a:solidFill>
@@ -12692,6 +12698,133 @@
 </file>
 
 <file path=ppt/slides/slide3.xml><?xml version="1.0" encoding="utf-8"?>
+<p:sld xmlns:a="http://schemas.openxmlformats.org/drawingml/2006/main" xmlns:r="http://schemas.openxmlformats.org/officeDocument/2006/relationships" xmlns:p="http://schemas.openxmlformats.org/presentationml/2006/main">
+  <p:cSld>
+    <p:spTree>
+      <p:nvGrpSpPr>
+        <p:cNvPr id="1" name=""/>
+        <p:cNvGrpSpPr/>
+        <p:nvPr/>
+      </p:nvGrpSpPr>
+      <p:grpSpPr>
+        <a:xfrm>
+          <a:off x="0" y="0"/>
+          <a:ext cx="0" cy="0"/>
+          <a:chOff x="0" y="0"/>
+          <a:chExt cx="0" cy="0"/>
+        </a:xfrm>
+      </p:grpSpPr>
+      <p:pic>
+        <p:nvPicPr>
+          <p:cNvPr id="5" name="Picture 4">
+            <a:extLst>
+              <a:ext uri="{FF2B5EF4-FFF2-40B4-BE49-F238E27FC236}">
+                <a16:creationId xmlns:a16="http://schemas.microsoft.com/office/drawing/2014/main" id="{9E47F0CE-1BB9-446D-9951-45AF8ED4FE4E}"/>
+              </a:ext>
+            </a:extLst>
+          </p:cNvPr>
+          <p:cNvPicPr>
+            <a:picLocks noChangeAspect="1"/>
+          </p:cNvPicPr>
+          <p:nvPr/>
+        </p:nvPicPr>
+        <p:blipFill>
+          <a:blip r:embed="rId2">
+            <a:extLst>
+              <a:ext uri="{28A0092B-C50C-407E-A947-70E740481C1C}">
+                <a14:useLocalDpi xmlns:a14="http://schemas.microsoft.com/office/drawing/2010/main" val="0"/>
+              </a:ext>
+            </a:extLst>
+          </a:blip>
+          <a:stretch>
+            <a:fillRect/>
+          </a:stretch>
+        </p:blipFill>
+        <p:spPr>
+          <a:xfrm>
+            <a:off x="711575" y="0"/>
+            <a:ext cx="5299364" cy="6858000"/>
+          </a:xfrm>
+          <a:prstGeom prst="rect">
+            <a:avLst/>
+          </a:prstGeom>
+        </p:spPr>
+      </p:pic>
+      <p:pic>
+        <p:nvPicPr>
+          <p:cNvPr id="7" name="Picture 6">
+            <a:extLst>
+              <a:ext uri="{FF2B5EF4-FFF2-40B4-BE49-F238E27FC236}">
+                <a16:creationId xmlns:a16="http://schemas.microsoft.com/office/drawing/2014/main" id="{56A00489-ED12-4394-8FFC-3DD32B4EDFD9}"/>
+              </a:ext>
+            </a:extLst>
+          </p:cNvPr>
+          <p:cNvPicPr>
+            <a:picLocks noChangeAspect="1"/>
+          </p:cNvPicPr>
+          <p:nvPr/>
+        </p:nvPicPr>
+        <p:blipFill>
+          <a:blip r:embed="rId3">
+            <a:extLst>
+              <a:ext uri="{28A0092B-C50C-407E-A947-70E740481C1C}">
+                <a14:useLocalDpi xmlns:a14="http://schemas.microsoft.com/office/drawing/2010/main" val="0"/>
+              </a:ext>
+            </a:extLst>
+          </a:blip>
+          <a:stretch>
+            <a:fillRect/>
+          </a:stretch>
+        </p:blipFill>
+        <p:spPr>
+          <a:xfrm>
+            <a:off x="6010939" y="0"/>
+            <a:ext cx="5299364" cy="6858000"/>
+          </a:xfrm>
+          <a:prstGeom prst="rect">
+            <a:avLst/>
+          </a:prstGeom>
+        </p:spPr>
+      </p:pic>
+      <p:sp>
+        <p:nvSpPr>
+          <p:cNvPr id="9" name="Title 8">
+            <a:extLst>
+              <a:ext uri="{FF2B5EF4-FFF2-40B4-BE49-F238E27FC236}">
+                <a16:creationId xmlns:a16="http://schemas.microsoft.com/office/drawing/2014/main" id="{285E1FF0-3508-43F8-875C-60AC1C0F67FB}"/>
+              </a:ext>
+            </a:extLst>
+          </p:cNvPr>
+          <p:cNvSpPr>
+            <a:spLocks noGrp="1"/>
+          </p:cNvSpPr>
+          <p:nvPr>
+            <p:ph type="title"/>
+          </p:nvPr>
+        </p:nvSpPr>
+        <p:spPr/>
+        <p:txBody>
+          <a:bodyPr/>
+          <a:lstStyle/>
+          <a:p>
+            <a:endParaRPr lang="en-CA"/>
+          </a:p>
+        </p:txBody>
+      </p:sp>
+    </p:spTree>
+    <p:extLst>
+      <p:ext uri="{BB962C8B-B14F-4D97-AF65-F5344CB8AC3E}">
+        <p14:creationId xmlns:p14="http://schemas.microsoft.com/office/powerpoint/2010/main" val="4254554808"/>
+      </p:ext>
+    </p:extLst>
+  </p:cSld>
+  <p:clrMapOvr>
+    <a:masterClrMapping/>
+  </p:clrMapOvr>
+</p:sld>
+</file>
+
+<file path=ppt/slides/slide4.xml><?xml version="1.0" encoding="utf-8"?>
 <p:sld xmlns:a="http://schemas.openxmlformats.org/drawingml/2006/main" xmlns:r="http://schemas.openxmlformats.org/officeDocument/2006/relationships" xmlns:p="http://schemas.openxmlformats.org/presentationml/2006/main" showMasterSp="0">
   <p:cSld>
     <p:bg>
@@ -12827,7 +12960,7 @@
 </p:sld>
 </file>
 
-<file path=ppt/slides/slide4.xml><?xml version="1.0" encoding="utf-8"?>
+<file path=ppt/slides/slide5.xml><?xml version="1.0" encoding="utf-8"?>
 <p:sld xmlns:a="http://schemas.openxmlformats.org/drawingml/2006/main" xmlns:r="http://schemas.openxmlformats.org/officeDocument/2006/relationships" xmlns:p="http://schemas.openxmlformats.org/presentationml/2006/main">
   <p:cSld>
     <p:spTree>
@@ -12968,7 +13101,7 @@
 </p:sld>
 </file>
 
-<file path=ppt/slides/slide5.xml><?xml version="1.0" encoding="utf-8"?>
+<file path=ppt/slides/slide6.xml><?xml version="1.0" encoding="utf-8"?>
 <p:sld xmlns:a="http://schemas.openxmlformats.org/drawingml/2006/main" xmlns:r="http://schemas.openxmlformats.org/officeDocument/2006/relationships" xmlns:p="http://schemas.openxmlformats.org/presentationml/2006/main">
   <p:cSld>
     <p:spTree>
@@ -13083,7 +13216,7 @@
 </p:sld>
 </file>
 
-<file path=ppt/slides/slide6.xml><?xml version="1.0" encoding="utf-8"?>
+<file path=ppt/slides/slide7.xml><?xml version="1.0" encoding="utf-8"?>
 <p:sld xmlns:a="http://schemas.openxmlformats.org/drawingml/2006/main" xmlns:r="http://schemas.openxmlformats.org/officeDocument/2006/relationships" xmlns:p="http://schemas.openxmlformats.org/presentationml/2006/main">
   <p:cSld>
     <p:spTree>
@@ -13243,7 +13376,7 @@
 </p:sld>
 </file>
 
-<file path=ppt/slides/slide7.xml><?xml version="1.0" encoding="utf-8"?>
+<file path=ppt/slides/slide8.xml><?xml version="1.0" encoding="utf-8"?>
 <p:sld xmlns:a="http://schemas.openxmlformats.org/drawingml/2006/main" xmlns:r="http://schemas.openxmlformats.org/officeDocument/2006/relationships" xmlns:p="http://schemas.openxmlformats.org/presentationml/2006/main">
   <p:cSld>
     <p:spTree>
